--- a/Sketch2Code学习.pptx
+++ b/Sketch2Code学习.pptx
@@ -10,6 +10,8 @@
     <p:sldId id="258" r:id="rId5"/>
     <p:sldId id="259" r:id="rId6"/>
     <p:sldId id="260" r:id="rId7"/>
+    <p:sldId id="261" r:id="rId8"/>
+    <p:sldId id="262" r:id="rId9"/>
   </p:sldIdLst>
   <p:sldSz cx="12192000" cy="6858000"/>
   <p:notesSz cx="6858000" cy="9144000"/>
@@ -3000,7 +3002,6 @@
             <a:pPr algn="ctr"/>
             <a:r>
               <a:rPr lang="en-US" altLang="zh-CN">
-                <a:ln/>
                 <a:pattFill prst="dkUpDiag">
                   <a:fgClr>
                     <a:schemeClr val="bg1">
@@ -3029,7 +3030,6 @@
             </a:r>
             <a:r>
               <a:rPr lang="zh-CN" altLang="en-US">
-                <a:ln/>
                 <a:pattFill prst="dkUpDiag">
                   <a:fgClr>
                     <a:schemeClr val="bg1">
@@ -3057,7 +3057,6 @@
               <a:t>？</a:t>
             </a:r>
             <a:endParaRPr lang="zh-CN" altLang="en-US">
-              <a:ln/>
               <a:pattFill prst="dkUpDiag">
                 <a:fgClr>
                   <a:schemeClr val="bg1">
@@ -3159,7 +3158,6 @@
             <a:pPr algn="ctr"/>
             <a:r>
               <a:rPr lang="en-US" altLang="zh-CN">
-                <a:ln/>
                 <a:solidFill>
                   <a:schemeClr val="tx1"/>
                 </a:solidFill>
@@ -3177,7 +3175,6 @@
             </a:r>
             <a:r>
               <a:rPr lang="zh-CN" altLang="en-US">
-                <a:ln/>
                 <a:solidFill>
                   <a:schemeClr val="tx1"/>
                 </a:solidFill>
@@ -3195,7 +3192,6 @@
             </a:r>
             <a:r>
               <a:rPr lang="en-US" altLang="zh-CN">
-                <a:ln/>
                 <a:solidFill>
                   <a:schemeClr val="tx1"/>
                 </a:solidFill>
@@ -3213,7 +3209,6 @@
             </a:r>
             <a:r>
               <a:rPr lang="zh-CN" altLang="en-US">
-                <a:ln/>
                 <a:solidFill>
                   <a:schemeClr val="tx1"/>
                 </a:solidFill>
@@ -3231,7 +3226,6 @@
             </a:r>
             <a:r>
               <a:rPr lang="en-US" altLang="zh-CN">
-                <a:ln/>
                 <a:solidFill>
                   <a:schemeClr val="tx1"/>
                 </a:solidFill>
@@ -3248,7 +3242,6 @@
               <a:t>Of Sketch2Code</a:t>
             </a:r>
             <a:endParaRPr lang="en-US" altLang="zh-CN">
-              <a:ln/>
               <a:solidFill>
                 <a:schemeClr val="tx1"/>
               </a:solidFill>
@@ -3490,7 +3483,6 @@
             <a:pPr algn="ctr"/>
             <a:r>
               <a:rPr lang="zh-CN" altLang="en-US">
-                <a:ln/>
                 <a:solidFill>
                   <a:schemeClr val="tx1"/>
                 </a:solidFill>
@@ -3508,7 +3500,6 @@
             </a:r>
             <a:r>
               <a:rPr lang="en-US" altLang="zh-CN">
-                <a:ln/>
                 <a:solidFill>
                   <a:schemeClr val="tx1"/>
                 </a:solidFill>
@@ -3525,7 +3516,6 @@
               <a:t>Of Sketch2Code</a:t>
             </a:r>
             <a:endParaRPr lang="en-US" altLang="zh-CN">
-              <a:ln/>
               <a:solidFill>
                 <a:schemeClr val="tx1"/>
               </a:solidFill>
@@ -3650,6 +3640,160 @@
           <a:xfrm>
             <a:off x="1805305" y="1252855"/>
             <a:ext cx="8581390" cy="4351655"/>
+          </a:xfrm>
+          <a:prstGeom prst="rect">
+            <a:avLst/>
+          </a:prstGeom>
+        </p:spPr>
+      </p:pic>
+    </p:spTree>
+  </p:cSld>
+  <p:clrMapOvr>
+    <a:masterClrMapping/>
+  </p:clrMapOvr>
+</p:sld>
+</file>
+
+<file path=ppt/slides/slide6.xml><?xml version="1.0" encoding="utf-8"?>
+<p:sld xmlns:a="http://schemas.openxmlformats.org/drawingml/2006/main" xmlns:r="http://schemas.openxmlformats.org/officeDocument/2006/relationships" xmlns:p="http://schemas.openxmlformats.org/presentationml/2006/main">
+  <p:cSld>
+    <p:bg>
+      <p:bgPr>
+        <a:gradFill>
+          <a:gsLst>
+            <a:gs pos="0">
+              <a:srgbClr val="7B32B2"/>
+            </a:gs>
+            <a:gs pos="100000">
+              <a:srgbClr val="401A5D"/>
+            </a:gs>
+          </a:gsLst>
+          <a:lin ang="5400000" scaled="0"/>
+        </a:gradFill>
+        <a:effectLst/>
+      </p:bgPr>
+    </p:bg>
+    <p:spTree>
+      <p:nvGrpSpPr>
+        <p:cNvPr id="1" name=""/>
+        <p:cNvGrpSpPr/>
+        <p:nvPr/>
+      </p:nvGrpSpPr>
+      <p:grpSpPr/>
+      <p:sp>
+        <p:nvSpPr>
+          <p:cNvPr id="2" name="标题 1"/>
+          <p:cNvSpPr>
+            <a:spLocks noGrp="1"/>
+          </p:cNvSpPr>
+          <p:nvPr>
+            <p:ph type="title"/>
+          </p:nvPr>
+        </p:nvSpPr>
+        <p:spPr>
+          <a:xfrm>
+            <a:off x="838200" y="365125"/>
+            <a:ext cx="10515600" cy="1325563"/>
+          </a:xfrm>
+        </p:spPr>
+        <p:txBody>
+          <a:bodyPr/>
+          <a:p>
+            <a:pPr algn="ctr"/>
+            <a:r>
+              <a:rPr lang="en-US" altLang="zh-CN">
+                <a:latin typeface="新宋体" panose="02010609030101010101" charset="-122"/>
+                <a:ea typeface="新宋体" panose="02010609030101010101" charset="-122"/>
+              </a:rPr>
+              <a:t>My Tests</a:t>
+            </a:r>
+            <a:endParaRPr lang="en-US" altLang="zh-CN">
+              <a:latin typeface="新宋体" panose="02010609030101010101" charset="-122"/>
+              <a:ea typeface="新宋体" panose="02010609030101010101" charset="-122"/>
+            </a:endParaRPr>
+          </a:p>
+        </p:txBody>
+      </p:sp>
+      <p:pic>
+        <p:nvPicPr>
+          <p:cNvPr id="4" name="内容占位符 3"/>
+          <p:cNvPicPr>
+            <a:picLocks noChangeAspect="1"/>
+          </p:cNvPicPr>
+          <p:nvPr>
+            <p:ph idx="1"/>
+          </p:nvPr>
+        </p:nvPicPr>
+        <p:blipFill>
+          <a:blip r:embed="rId1"/>
+          <a:stretch>
+            <a:fillRect/>
+          </a:stretch>
+        </p:blipFill>
+        <p:spPr>
+          <a:xfrm>
+            <a:off x="1182370" y="1691005"/>
+            <a:ext cx="9585960" cy="3877310"/>
+          </a:xfrm>
+          <a:prstGeom prst="rect">
+            <a:avLst/>
+          </a:prstGeom>
+        </p:spPr>
+      </p:pic>
+    </p:spTree>
+  </p:cSld>
+  <p:clrMapOvr>
+    <a:masterClrMapping/>
+  </p:clrMapOvr>
+</p:sld>
+</file>
+
+<file path=ppt/slides/slide7.xml><?xml version="1.0" encoding="utf-8"?>
+<p:sld xmlns:a="http://schemas.openxmlformats.org/drawingml/2006/main" xmlns:r="http://schemas.openxmlformats.org/officeDocument/2006/relationships" xmlns:p="http://schemas.openxmlformats.org/presentationml/2006/main">
+  <p:cSld>
+    <p:bg>
+      <p:bgPr>
+        <a:gradFill>
+          <a:gsLst>
+            <a:gs pos="0">
+              <a:srgbClr val="7B32B2"/>
+            </a:gs>
+            <a:gs pos="100000">
+              <a:srgbClr val="401A5D"/>
+            </a:gs>
+          </a:gsLst>
+          <a:lin ang="5400000" scaled="0"/>
+        </a:gradFill>
+        <a:effectLst/>
+      </p:bgPr>
+    </p:bg>
+    <p:spTree>
+      <p:nvGrpSpPr>
+        <p:cNvPr id="1" name=""/>
+        <p:cNvGrpSpPr/>
+        <p:nvPr/>
+      </p:nvGrpSpPr>
+      <p:grpSpPr/>
+      <p:pic>
+        <p:nvPicPr>
+          <p:cNvPr id="4" name="内容占位符 3"/>
+          <p:cNvPicPr>
+            <a:picLocks noChangeAspect="1"/>
+          </p:cNvPicPr>
+          <p:nvPr>
+            <p:ph idx="1"/>
+          </p:nvPr>
+        </p:nvPicPr>
+        <p:blipFill>
+          <a:blip r:embed="rId1"/>
+          <a:stretch>
+            <a:fillRect/>
+          </a:stretch>
+        </p:blipFill>
+        <p:spPr>
+          <a:xfrm>
+            <a:off x="629920" y="494665"/>
+            <a:ext cx="10932795" cy="5869305"/>
           </a:xfrm>
           <a:prstGeom prst="rect">
             <a:avLst/>
